--- a/조선근/EDA.pptx
+++ b/조선근/EDA.pptx
@@ -16,6 +16,8 @@
     <p:sldId id="262" r:id="rId13"/>
     <p:sldId id="264" r:id="rId14"/>
     <p:sldId id="266" r:id="rId15"/>
+    <p:sldId id="267" r:id="rId16"/>
+    <p:sldId id="268" r:id="rId17"/>
   </p:sldIdLst>
   <p:sldSz cx="12192000" cy="6858000"/>
   <p:notesSz cx="6858000" cy="9144000"/>
@@ -688,7 +690,7 @@
           <a:p>
             <a:fld id="{7209484E-5B6F-4989-BFA1-FD7D0916C75F}" type="datetimeFigureOut">
               <a:rPr lang="ko-KR" altLang="en-US" smtClean="0"/>
-              <a:t>2020-08-06</a:t>
+              <a:t>2020-08-16</a:t>
             </a:fld>
             <a:endParaRPr lang="ko-KR" altLang="en-US"/>
           </a:p>
@@ -886,7 +888,7 @@
           <a:p>
             <a:fld id="{7209484E-5B6F-4989-BFA1-FD7D0916C75F}" type="datetimeFigureOut">
               <a:rPr lang="ko-KR" altLang="en-US" smtClean="0"/>
-              <a:t>2020-08-06</a:t>
+              <a:t>2020-08-16</a:t>
             </a:fld>
             <a:endParaRPr lang="ko-KR" altLang="en-US"/>
           </a:p>
@@ -1094,7 +1096,7 @@
           <a:p>
             <a:fld id="{7209484E-5B6F-4989-BFA1-FD7D0916C75F}" type="datetimeFigureOut">
               <a:rPr lang="ko-KR" altLang="en-US" smtClean="0"/>
-              <a:t>2020-08-06</a:t>
+              <a:t>2020-08-16</a:t>
             </a:fld>
             <a:endParaRPr lang="ko-KR" altLang="en-US"/>
           </a:p>
@@ -1292,7 +1294,7 @@
           <a:p>
             <a:fld id="{7209484E-5B6F-4989-BFA1-FD7D0916C75F}" type="datetimeFigureOut">
               <a:rPr lang="ko-KR" altLang="en-US" smtClean="0"/>
-              <a:t>2020-08-06</a:t>
+              <a:t>2020-08-16</a:t>
             </a:fld>
             <a:endParaRPr lang="ko-KR" altLang="en-US"/>
           </a:p>
@@ -1567,7 +1569,7 @@
           <a:p>
             <a:fld id="{7209484E-5B6F-4989-BFA1-FD7D0916C75F}" type="datetimeFigureOut">
               <a:rPr lang="ko-KR" altLang="en-US" smtClean="0"/>
-              <a:t>2020-08-06</a:t>
+              <a:t>2020-08-16</a:t>
             </a:fld>
             <a:endParaRPr lang="ko-KR" altLang="en-US"/>
           </a:p>
@@ -1832,7 +1834,7 @@
           <a:p>
             <a:fld id="{7209484E-5B6F-4989-BFA1-FD7D0916C75F}" type="datetimeFigureOut">
               <a:rPr lang="ko-KR" altLang="en-US" smtClean="0"/>
-              <a:t>2020-08-06</a:t>
+              <a:t>2020-08-16</a:t>
             </a:fld>
             <a:endParaRPr lang="ko-KR" altLang="en-US"/>
           </a:p>
@@ -2244,7 +2246,7 @@
           <a:p>
             <a:fld id="{7209484E-5B6F-4989-BFA1-FD7D0916C75F}" type="datetimeFigureOut">
               <a:rPr lang="ko-KR" altLang="en-US" smtClean="0"/>
-              <a:t>2020-08-06</a:t>
+              <a:t>2020-08-16</a:t>
             </a:fld>
             <a:endParaRPr lang="ko-KR" altLang="en-US"/>
           </a:p>
@@ -2385,7 +2387,7 @@
           <a:p>
             <a:fld id="{7209484E-5B6F-4989-BFA1-FD7D0916C75F}" type="datetimeFigureOut">
               <a:rPr lang="ko-KR" altLang="en-US" smtClean="0"/>
-              <a:t>2020-08-06</a:t>
+              <a:t>2020-08-16</a:t>
             </a:fld>
             <a:endParaRPr lang="ko-KR" altLang="en-US"/>
           </a:p>
@@ -2498,7 +2500,7 @@
           <a:p>
             <a:fld id="{7209484E-5B6F-4989-BFA1-FD7D0916C75F}" type="datetimeFigureOut">
               <a:rPr lang="ko-KR" altLang="en-US" smtClean="0"/>
-              <a:t>2020-08-06</a:t>
+              <a:t>2020-08-16</a:t>
             </a:fld>
             <a:endParaRPr lang="ko-KR" altLang="en-US"/>
           </a:p>
@@ -2809,7 +2811,7 @@
           <a:p>
             <a:fld id="{7209484E-5B6F-4989-BFA1-FD7D0916C75F}" type="datetimeFigureOut">
               <a:rPr lang="ko-KR" altLang="en-US" smtClean="0"/>
-              <a:t>2020-08-06</a:t>
+              <a:t>2020-08-16</a:t>
             </a:fld>
             <a:endParaRPr lang="ko-KR" altLang="en-US"/>
           </a:p>
@@ -3097,7 +3099,7 @@
           <a:p>
             <a:fld id="{7209484E-5B6F-4989-BFA1-FD7D0916C75F}" type="datetimeFigureOut">
               <a:rPr lang="ko-KR" altLang="en-US" smtClean="0"/>
-              <a:t>2020-08-06</a:t>
+              <a:t>2020-08-16</a:t>
             </a:fld>
             <a:endParaRPr lang="ko-KR" altLang="en-US"/>
           </a:p>
@@ -3338,7 +3340,7 @@
           <a:p>
             <a:fld id="{7209484E-5B6F-4989-BFA1-FD7D0916C75F}" type="datetimeFigureOut">
               <a:rPr lang="ko-KR" altLang="en-US" smtClean="0"/>
-              <a:t>2020-08-06</a:t>
+              <a:t>2020-08-16</a:t>
             </a:fld>
             <a:endParaRPr lang="ko-KR" altLang="en-US"/>
           </a:p>
@@ -5119,6 +5121,461 @@
 </p:sld>
 </file>
 
+<file path=ppt/slides/slide12.xml><?xml version="1.0" encoding="utf-8"?>
+<p:sld xmlns:a="http://schemas.openxmlformats.org/drawingml/2006/main" xmlns:r="http://schemas.openxmlformats.org/officeDocument/2006/relationships" xmlns:p="http://schemas.openxmlformats.org/presentationml/2006/main">
+  <p:cSld>
+    <p:spTree>
+      <p:nvGrpSpPr>
+        <p:cNvPr id="1" name=""/>
+        <p:cNvGrpSpPr/>
+        <p:nvPr/>
+      </p:nvGrpSpPr>
+      <p:grpSpPr>
+        <a:xfrm>
+          <a:off x="0" y="0"/>
+          <a:ext cx="0" cy="0"/>
+          <a:chOff x="0" y="0"/>
+          <a:chExt cx="0" cy="0"/>
+        </a:xfrm>
+      </p:grpSpPr>
+      <p:pic>
+        <p:nvPicPr>
+          <p:cNvPr id="4" name="그림 3">
+            <a:extLst>
+              <a:ext uri="{FF2B5EF4-FFF2-40B4-BE49-F238E27FC236}">
+                <a16:creationId xmlns:a16="http://schemas.microsoft.com/office/drawing/2014/main" id="{4020B876-6BCE-43AE-A884-BBB76474FA98}"/>
+              </a:ext>
+            </a:extLst>
+          </p:cNvPr>
+          <p:cNvPicPr>
+            <a:picLocks noChangeAspect="1"/>
+          </p:cNvPicPr>
+          <p:nvPr/>
+        </p:nvPicPr>
+        <p:blipFill>
+          <a:blip r:embed="rId2"/>
+          <a:stretch>
+            <a:fillRect/>
+          </a:stretch>
+        </p:blipFill>
+        <p:spPr>
+          <a:xfrm>
+            <a:off x="6596743" y="1450226"/>
+            <a:ext cx="4979106" cy="3305130"/>
+          </a:xfrm>
+          <a:prstGeom prst="rect">
+            <a:avLst/>
+          </a:prstGeom>
+        </p:spPr>
+      </p:pic>
+      <p:sp>
+        <p:nvSpPr>
+          <p:cNvPr id="5" name="TextBox 4">
+            <a:extLst>
+              <a:ext uri="{FF2B5EF4-FFF2-40B4-BE49-F238E27FC236}">
+                <a16:creationId xmlns:a16="http://schemas.microsoft.com/office/drawing/2014/main" id="{4CDCBA5E-D72D-431B-8236-A01450B0E59A}"/>
+              </a:ext>
+            </a:extLst>
+          </p:cNvPr>
+          <p:cNvSpPr txBox="1"/>
+          <p:nvPr/>
+        </p:nvSpPr>
+        <p:spPr>
+          <a:xfrm flipH="1">
+            <a:off x="405643" y="535022"/>
+            <a:ext cx="7562700" cy="400110"/>
+          </a:xfrm>
+          <a:prstGeom prst="rect">
+            <a:avLst/>
+          </a:prstGeom>
+          <a:noFill/>
+        </p:spPr>
+        <p:txBody>
+          <a:bodyPr wrap="square" rtlCol="0">
+            <a:spAutoFit/>
+          </a:bodyPr>
+          <a:lstStyle/>
+          <a:p>
+            <a:r>
+              <a:rPr lang="ko-KR" altLang="en-US" sz="2000" b="1" dirty="0"/>
+              <a:t>서울시 기상 데이터 추출</a:t>
+            </a:r>
+            <a:r>
+              <a:rPr lang="en-US" altLang="ko-KR" sz="2000" b="1" dirty="0"/>
+              <a:t>(2019</a:t>
+            </a:r>
+            <a:r>
+              <a:rPr lang="ko-KR" altLang="en-US" sz="2000" b="1" dirty="0"/>
+              <a:t>년 전체 데이터 </a:t>
+            </a:r>
+            <a:r>
+              <a:rPr lang="en-US" altLang="ko-KR" sz="2000" b="1" dirty="0"/>
+              <a:t>+ 2020</a:t>
+            </a:r>
+            <a:r>
+              <a:rPr lang="ko-KR" altLang="en-US" sz="2000" b="1" dirty="0"/>
+              <a:t>년 </a:t>
+            </a:r>
+            <a:r>
+              <a:rPr lang="en-US" altLang="ko-KR" sz="2000" b="1" dirty="0"/>
+              <a:t>6</a:t>
+            </a:r>
+            <a:r>
+              <a:rPr lang="ko-KR" altLang="en-US" sz="2000" b="1" dirty="0"/>
+              <a:t>월</a:t>
+            </a:r>
+            <a:r>
+              <a:rPr lang="en-US" altLang="ko-KR" sz="2000" b="1" dirty="0"/>
+              <a:t>)</a:t>
+            </a:r>
+            <a:endParaRPr lang="ko-KR" altLang="en-US" sz="2000" b="1" dirty="0"/>
+          </a:p>
+        </p:txBody>
+      </p:sp>
+      <p:sp>
+        <p:nvSpPr>
+          <p:cNvPr id="6" name="TextBox 5">
+            <a:extLst>
+              <a:ext uri="{FF2B5EF4-FFF2-40B4-BE49-F238E27FC236}">
+                <a16:creationId xmlns:a16="http://schemas.microsoft.com/office/drawing/2014/main" id="{806C1C81-4846-4464-96D1-511F8DDC4242}"/>
+              </a:ext>
+            </a:extLst>
+          </p:cNvPr>
+          <p:cNvSpPr txBox="1"/>
+          <p:nvPr/>
+        </p:nvSpPr>
+        <p:spPr>
+          <a:xfrm flipH="1">
+            <a:off x="7087482" y="5214982"/>
+            <a:ext cx="3997628" cy="1015663"/>
+          </a:xfrm>
+          <a:prstGeom prst="rect">
+            <a:avLst/>
+          </a:prstGeom>
+          <a:noFill/>
+        </p:spPr>
+        <p:txBody>
+          <a:bodyPr wrap="square" rtlCol="0">
+            <a:spAutoFit/>
+          </a:bodyPr>
+          <a:lstStyle/>
+          <a:p>
+            <a:r>
+              <a:rPr lang="ko-KR" altLang="en-US" sz="2000" b="1" dirty="0"/>
+              <a:t>에어 코리아 제공 데이터</a:t>
+            </a:r>
+            <a:endParaRPr lang="en-US" altLang="ko-KR" sz="2000" b="1" dirty="0"/>
+          </a:p>
+          <a:p>
+            <a:r>
+              <a:rPr lang="en-US" altLang="ko-KR" sz="2000" b="1" dirty="0"/>
+              <a:t>- </a:t>
+            </a:r>
+            <a:r>
+              <a:rPr lang="ko-KR" altLang="en-US" sz="2000" b="1" dirty="0"/>
+              <a:t>중구</a:t>
+            </a:r>
+            <a:r>
+              <a:rPr lang="en-US" altLang="ko-KR" sz="2000" b="1" dirty="0"/>
+              <a:t>, </a:t>
+            </a:r>
+            <a:r>
+              <a:rPr lang="ko-KR" altLang="en-US" sz="2000" b="1" dirty="0"/>
+              <a:t>종로</a:t>
+            </a:r>
+            <a:r>
+              <a:rPr lang="en-US" altLang="ko-KR" sz="2000" b="1" dirty="0"/>
+              <a:t>, </a:t>
+            </a:r>
+            <a:r>
+              <a:rPr lang="ko-KR" altLang="en-US" sz="2000" b="1" dirty="0" err="1"/>
+              <a:t>청계천로</a:t>
+            </a:r>
+            <a:r>
+              <a:rPr lang="ko-KR" altLang="en-US" sz="2000" b="1" dirty="0"/>
+              <a:t> 측정소의 평균 </a:t>
+            </a:r>
+          </a:p>
+        </p:txBody>
+      </p:sp>
+      <p:pic>
+        <p:nvPicPr>
+          <p:cNvPr id="7" name="그림 6">
+            <a:extLst>
+              <a:ext uri="{FF2B5EF4-FFF2-40B4-BE49-F238E27FC236}">
+                <a16:creationId xmlns:a16="http://schemas.microsoft.com/office/drawing/2014/main" id="{309DFD43-08EE-4FCF-B7E7-6A86C22BA668}"/>
+              </a:ext>
+            </a:extLst>
+          </p:cNvPr>
+          <p:cNvPicPr>
+            <a:picLocks noChangeAspect="1"/>
+          </p:cNvPicPr>
+          <p:nvPr/>
+        </p:nvPicPr>
+        <p:blipFill>
+          <a:blip r:embed="rId3"/>
+          <a:stretch>
+            <a:fillRect/>
+          </a:stretch>
+        </p:blipFill>
+        <p:spPr>
+          <a:xfrm>
+            <a:off x="544513" y="1450226"/>
+            <a:ext cx="5103009" cy="3305130"/>
+          </a:xfrm>
+          <a:prstGeom prst="rect">
+            <a:avLst/>
+          </a:prstGeom>
+        </p:spPr>
+      </p:pic>
+      <p:sp>
+        <p:nvSpPr>
+          <p:cNvPr id="8" name="TextBox 7">
+            <a:extLst>
+              <a:ext uri="{FF2B5EF4-FFF2-40B4-BE49-F238E27FC236}">
+                <a16:creationId xmlns:a16="http://schemas.microsoft.com/office/drawing/2014/main" id="{CE1DDBA3-F496-4A64-ADB4-9846A0187B66}"/>
+              </a:ext>
+            </a:extLst>
+          </p:cNvPr>
+          <p:cNvSpPr txBox="1"/>
+          <p:nvPr/>
+        </p:nvSpPr>
+        <p:spPr>
+          <a:xfrm flipH="1">
+            <a:off x="1097203" y="5214981"/>
+            <a:ext cx="3997628" cy="1015663"/>
+          </a:xfrm>
+          <a:prstGeom prst="rect">
+            <a:avLst/>
+          </a:prstGeom>
+          <a:noFill/>
+        </p:spPr>
+        <p:txBody>
+          <a:bodyPr wrap="square" rtlCol="0">
+            <a:spAutoFit/>
+          </a:bodyPr>
+          <a:lstStyle/>
+          <a:p>
+            <a:r>
+              <a:rPr lang="ko-KR" altLang="en-US" sz="2000" b="1" dirty="0"/>
+              <a:t>기상청 날씨누리 제공 데이터 </a:t>
+            </a:r>
+            <a:endParaRPr lang="en-US" altLang="ko-KR" sz="2000" b="1" dirty="0"/>
+          </a:p>
+          <a:p>
+            <a:r>
+              <a:rPr lang="en-US" altLang="ko-KR" sz="2000" b="1" dirty="0"/>
+              <a:t>- </a:t>
+            </a:r>
+            <a:r>
+              <a:rPr lang="ko-KR" altLang="en-US" sz="2000" b="1" dirty="0"/>
+              <a:t>서울시 기상 관측소에서 제공하는 서울시 평균 기상정보</a:t>
+            </a:r>
+            <a:endParaRPr lang="en-US" altLang="ko-KR" sz="2000" b="1" dirty="0"/>
+          </a:p>
+        </p:txBody>
+      </p:sp>
+    </p:spTree>
+    <p:extLst>
+      <p:ext uri="{BB962C8B-B14F-4D97-AF65-F5344CB8AC3E}">
+        <p14:creationId xmlns:p14="http://schemas.microsoft.com/office/powerpoint/2010/main" val="3974092622"/>
+      </p:ext>
+    </p:extLst>
+  </p:cSld>
+  <p:clrMapOvr>
+    <a:masterClrMapping/>
+  </p:clrMapOvr>
+</p:sld>
+</file>
+
+<file path=ppt/slides/slide13.xml><?xml version="1.0" encoding="utf-8"?>
+<p:sld xmlns:a="http://schemas.openxmlformats.org/drawingml/2006/main" xmlns:r="http://schemas.openxmlformats.org/officeDocument/2006/relationships" xmlns:p="http://schemas.openxmlformats.org/presentationml/2006/main">
+  <p:cSld>
+    <p:spTree>
+      <p:nvGrpSpPr>
+        <p:cNvPr id="1" name=""/>
+        <p:cNvGrpSpPr/>
+        <p:nvPr/>
+      </p:nvGrpSpPr>
+      <p:grpSpPr>
+        <a:xfrm>
+          <a:off x="0" y="0"/>
+          <a:ext cx="0" cy="0"/>
+          <a:chOff x="0" y="0"/>
+          <a:chExt cx="0" cy="0"/>
+        </a:xfrm>
+      </p:grpSpPr>
+      <p:sp>
+        <p:nvSpPr>
+          <p:cNvPr id="5" name="TextBox 4">
+            <a:extLst>
+              <a:ext uri="{FF2B5EF4-FFF2-40B4-BE49-F238E27FC236}">
+                <a16:creationId xmlns:a16="http://schemas.microsoft.com/office/drawing/2014/main" id="{4CDCBA5E-D72D-431B-8236-A01450B0E59A}"/>
+              </a:ext>
+            </a:extLst>
+          </p:cNvPr>
+          <p:cNvSpPr txBox="1"/>
+          <p:nvPr/>
+        </p:nvSpPr>
+        <p:spPr>
+          <a:xfrm flipH="1">
+            <a:off x="405643" y="535022"/>
+            <a:ext cx="7562700" cy="400110"/>
+          </a:xfrm>
+          <a:prstGeom prst="rect">
+            <a:avLst/>
+          </a:prstGeom>
+          <a:noFill/>
+        </p:spPr>
+        <p:txBody>
+          <a:bodyPr wrap="square" rtlCol="0">
+            <a:spAutoFit/>
+          </a:bodyPr>
+          <a:lstStyle/>
+          <a:p>
+            <a:r>
+              <a:rPr lang="ko-KR" altLang="en-US" sz="2000" b="1" dirty="0"/>
+              <a:t>서울시 기상 데이터 추출</a:t>
+            </a:r>
+            <a:r>
+              <a:rPr lang="en-US" altLang="ko-KR" sz="2000" b="1" dirty="0"/>
+              <a:t>(</a:t>
+            </a:r>
+            <a:r>
+              <a:rPr lang="ko-KR" altLang="en-US" sz="2000" b="1" dirty="0"/>
+              <a:t>이상기후로 인한 경보 및 주의보</a:t>
+            </a:r>
+            <a:r>
+              <a:rPr lang="en-US" altLang="ko-KR" sz="2000" b="1" dirty="0"/>
+              <a:t>)</a:t>
+            </a:r>
+            <a:endParaRPr lang="ko-KR" altLang="en-US" sz="2000" b="1" dirty="0"/>
+          </a:p>
+        </p:txBody>
+      </p:sp>
+      <p:pic>
+        <p:nvPicPr>
+          <p:cNvPr id="2" name="그림 1">
+            <a:extLst>
+              <a:ext uri="{FF2B5EF4-FFF2-40B4-BE49-F238E27FC236}">
+                <a16:creationId xmlns:a16="http://schemas.microsoft.com/office/drawing/2014/main" id="{D842F941-919F-4458-8913-71FD3E30DE01}"/>
+              </a:ext>
+            </a:extLst>
+          </p:cNvPr>
+          <p:cNvPicPr>
+            <a:picLocks noChangeAspect="1"/>
+          </p:cNvPicPr>
+          <p:nvPr/>
+        </p:nvPicPr>
+        <p:blipFill>
+          <a:blip r:embed="rId2"/>
+          <a:stretch>
+            <a:fillRect/>
+          </a:stretch>
+        </p:blipFill>
+        <p:spPr>
+          <a:xfrm>
+            <a:off x="2666621" y="1373790"/>
+            <a:ext cx="6858757" cy="4110420"/>
+          </a:xfrm>
+          <a:prstGeom prst="rect">
+            <a:avLst/>
+          </a:prstGeom>
+        </p:spPr>
+      </p:pic>
+      <p:sp>
+        <p:nvSpPr>
+          <p:cNvPr id="9" name="TextBox 8">
+            <a:extLst>
+              <a:ext uri="{FF2B5EF4-FFF2-40B4-BE49-F238E27FC236}">
+                <a16:creationId xmlns:a16="http://schemas.microsoft.com/office/drawing/2014/main" id="{C6B8B322-BE30-46DF-B423-48BE99DC0D07}"/>
+              </a:ext>
+            </a:extLst>
+          </p:cNvPr>
+          <p:cNvSpPr txBox="1"/>
+          <p:nvPr/>
+        </p:nvSpPr>
+        <p:spPr>
+          <a:xfrm flipH="1">
+            <a:off x="3718144" y="5722446"/>
+            <a:ext cx="4755710" cy="707886"/>
+          </a:xfrm>
+          <a:prstGeom prst="rect">
+            <a:avLst/>
+          </a:prstGeom>
+          <a:solidFill>
+            <a:schemeClr val="bg1"/>
+          </a:solidFill>
+        </p:spPr>
+        <p:txBody>
+          <a:bodyPr wrap="square" rtlCol="0">
+            <a:spAutoFit/>
+          </a:bodyPr>
+          <a:lstStyle/>
+          <a:p>
+            <a:r>
+              <a:rPr lang="ko-KR" altLang="en-US" b="1" dirty="0"/>
+              <a:t>기상청 기상자료개발 포털 데이터</a:t>
+            </a:r>
+            <a:r>
+              <a:rPr lang="ko-KR" altLang="en-US" sz="2000" b="1" dirty="0"/>
+              <a:t> </a:t>
+            </a:r>
+            <a:endParaRPr lang="en-US" altLang="ko-KR" sz="2000" b="1" dirty="0"/>
+          </a:p>
+          <a:p>
+            <a:r>
+              <a:rPr lang="en-US" altLang="ko-KR" sz="2000" b="1" dirty="0"/>
+              <a:t>-</a:t>
+            </a:r>
+            <a:r>
+              <a:rPr lang="en-US" altLang="ko-KR" b="1" dirty="0"/>
+              <a:t> </a:t>
+            </a:r>
+            <a:r>
+              <a:rPr lang="ko-KR" altLang="en-US" b="1" dirty="0"/>
+              <a:t>한파</a:t>
+            </a:r>
+            <a:r>
+              <a:rPr lang="en-US" altLang="ko-KR" b="1" dirty="0"/>
+              <a:t>, </a:t>
+            </a:r>
+            <a:r>
+              <a:rPr lang="ko-KR" altLang="en-US" b="1" dirty="0"/>
+              <a:t>폭염</a:t>
+            </a:r>
+            <a:r>
+              <a:rPr lang="en-US" altLang="ko-KR" b="1" dirty="0"/>
+              <a:t>, </a:t>
+            </a:r>
+            <a:r>
+              <a:rPr lang="ko-KR" altLang="en-US" b="1" dirty="0"/>
+              <a:t>호우</a:t>
+            </a:r>
+            <a:r>
+              <a:rPr lang="en-US" altLang="ko-KR" b="1" dirty="0"/>
+              <a:t>, </a:t>
+            </a:r>
+            <a:r>
+              <a:rPr lang="ko-KR" altLang="en-US" b="1" dirty="0"/>
+              <a:t>대설 주의보 정보 더미화 </a:t>
+            </a:r>
+          </a:p>
+        </p:txBody>
+      </p:sp>
+    </p:spTree>
+    <p:extLst>
+      <p:ext uri="{BB962C8B-B14F-4D97-AF65-F5344CB8AC3E}">
+        <p14:creationId xmlns:p14="http://schemas.microsoft.com/office/powerpoint/2010/main" val="28776532"/>
+      </p:ext>
+    </p:extLst>
+  </p:cSld>
+  <p:clrMapOvr>
+    <a:masterClrMapping/>
+  </p:clrMapOvr>
+</p:sld>
+</file>
+
 <file path=ppt/slides/slide2.xml><?xml version="1.0" encoding="utf-8"?>
 <p:sld xmlns:a="http://schemas.openxmlformats.org/drawingml/2006/main" xmlns:r="http://schemas.openxmlformats.org/officeDocument/2006/relationships" xmlns:p="http://schemas.openxmlformats.org/presentationml/2006/main">
   <p:cSld>
@@ -7658,6 +8115,15 @@
 </file>
 
 <file path=customXml/item2.xml><?xml version="1.0" encoding="utf-8"?>
+<?mso-contentType ?>
+<FormTemplates xmlns="http://schemas.microsoft.com/sharepoint/v3/contenttype/forms">
+  <Display>DocumentLibraryForm</Display>
+  <Edit>DocumentLibraryForm</Edit>
+  <New>DocumentLibraryForm</New>
+</FormTemplates>
+</file>
+
+<file path=customXml/item3.xml><?xml version="1.0" encoding="utf-8"?>
 <ct:contentTypeSchema xmlns:ct="http://schemas.microsoft.com/office/2006/metadata/contentType" xmlns:ma="http://schemas.microsoft.com/office/2006/metadata/properties/metaAttributes" ct:_="" ma:_="" ma:contentTypeName="문서" ma:contentTypeID="0x0101000D520A684307124FABABE9CECCBBA856" ma:contentTypeVersion="8" ma:contentTypeDescription="새 문서를 만듭니다." ma:contentTypeScope="" ma:versionID="a5368b64ecb60c3c75dec97cdc69cb97">
   <xsd:schema xmlns:xsd="http://www.w3.org/2001/XMLSchema" xmlns:xs="http://www.w3.org/2001/XMLSchema" xmlns:p="http://schemas.microsoft.com/office/2006/metadata/properties" xmlns:ns3="435e17b3-ae9e-4cd9-b69f-a657513af3de" targetNamespace="http://schemas.microsoft.com/office/2006/metadata/properties" ma:root="true" ma:fieldsID="0ec503169f2e8c457541174aad9513bc" ns3:_="">
     <xsd:import namespace="435e17b3-ae9e-4cd9-b69f-a657513af3de"/>
@@ -7829,15 +8295,6 @@
 </ct:contentTypeSchema>
 </file>
 
-<file path=customXml/item3.xml><?xml version="1.0" encoding="utf-8"?>
-<?mso-contentType ?>
-<FormTemplates xmlns="http://schemas.microsoft.com/sharepoint/v3/contenttype/forms">
-  <Display>DocumentLibraryForm</Display>
-  <Edit>DocumentLibraryForm</Edit>
-  <New>DocumentLibraryForm</New>
-</FormTemplates>
-</file>
-
 <file path=customXml/itemProps1.xml><?xml version="1.0" encoding="utf-8"?>
 <ds:datastoreItem xmlns:ds="http://schemas.openxmlformats.org/officeDocument/2006/customXml" ds:itemID="{47E5D300-FCBD-442B-9124-29FA27EBECC4}">
   <ds:schemaRefs>
@@ -7848,6 +8305,14 @@
 </file>
 
 <file path=customXml/itemProps2.xml><?xml version="1.0" encoding="utf-8"?>
+<ds:datastoreItem xmlns:ds="http://schemas.openxmlformats.org/officeDocument/2006/customXml" ds:itemID="{13707B84-8AEB-4AFC-B0E7-FD2A696D9761}">
+  <ds:schemaRefs>
+    <ds:schemaRef ds:uri="http://schemas.microsoft.com/sharepoint/v3/contenttype/forms"/>
+  </ds:schemaRefs>
+</ds:datastoreItem>
+</file>
+
+<file path=customXml/itemProps3.xml><?xml version="1.0" encoding="utf-8"?>
 <ds:datastoreItem xmlns:ds="http://schemas.openxmlformats.org/officeDocument/2006/customXml" ds:itemID="{081AE58F-BA2C-4E71-9A3A-747005364BEA}">
   <ds:schemaRefs>
     <ds:schemaRef ds:uri="http://schemas.microsoft.com/office/2006/metadata/contentType"/>
@@ -7863,12 +8328,4 @@
     <ds:schemaRef ds:uri="http://schemas.microsoft.com/internal/obd"/>
   </ds:schemaRefs>
 </ds:datastoreItem>
-</file>
-
-<file path=customXml/itemProps3.xml><?xml version="1.0" encoding="utf-8"?>
-<ds:datastoreItem xmlns:ds="http://schemas.openxmlformats.org/officeDocument/2006/customXml" ds:itemID="{13707B84-8AEB-4AFC-B0E7-FD2A696D9761}">
-  <ds:schemaRefs>
-    <ds:schemaRef ds:uri="http://schemas.microsoft.com/sharepoint/v3/contenttype/forms"/>
-  </ds:schemaRefs>
-</ds:datastoreItem>
 </file>